--- a/ElaborationPresentation.pptx
+++ b/ElaborationPresentation.pptx
@@ -9,6 +9,9 @@
     <p:sldId id="257" r:id="rId3"/>
     <p:sldId id="258" r:id="rId4"/>
     <p:sldId id="259" r:id="rId5"/>
+    <p:sldId id="260" r:id="rId6"/>
+    <p:sldId id="261" r:id="rId7"/>
+    <p:sldId id="262" r:id="rId8"/>
   </p:sldIdLst>
   <p:sldSz cx="12192000" cy="6858000"/>
   <p:notesSz cx="6858000" cy="9144000"/>
@@ -118,7 +121,7 @@
 <file path=ppt/revisionInfo.xml><?xml version="1.0" encoding="utf-8"?>
 <p1510:revInfo xmlns:a="http://schemas.openxmlformats.org/drawingml/2006/main" xmlns:r="http://schemas.openxmlformats.org/officeDocument/2006/relationships" xmlns:p1510="http://schemas.microsoft.com/office/powerpoint/2015/10/main">
   <p1510:revLst>
-    <p1510:client id="{B99437A0-6A41-4496-9408-870F789656F5}" v="831" dt="2023-03-13T23:00:12.593"/>
+    <p1510:client id="{B99437A0-6A41-4496-9408-870F789656F5}" v="1093" dt="2023-03-13T23:12:29.612"/>
   </p1510:revLst>
 </p1510:revInfo>
 </file>
@@ -3138,6 +3141,148 @@
           </a:p>
         </p:txBody>
       </p:sp>
+      <p:sp>
+        <p:nvSpPr>
+          <p:cNvPr id="4" name="CaixaDeTexto 1">
+            <a:extLst>
+              <a:ext uri="{FF2B5EF4-FFF2-40B4-BE49-F238E27FC236}">
+                <a16:creationId xmlns:a16="http://schemas.microsoft.com/office/drawing/2014/main" id="{7919184A-3A0D-F534-0F0C-15CA0F0CA5B4}"/>
+              </a:ext>
+            </a:extLst>
+          </p:cNvPr>
+          <p:cNvSpPr txBox="1"/>
+          <p:nvPr/>
+        </p:nvSpPr>
+        <p:spPr>
+          <a:xfrm>
+            <a:off x="9450657" y="5996749"/>
+            <a:ext cx="2743200" cy="861774"/>
+          </a:xfrm>
+          <a:prstGeom prst="rect">
+            <a:avLst/>
+          </a:prstGeom>
+          <a:noFill/>
+        </p:spPr>
+        <p:txBody>
+          <a:bodyPr rot="0" spcFirstLastPara="0" vert="horz" wrap="square" lIns="91440" tIns="45720" rIns="91440" bIns="45720" numCol="1" spcCol="0" rtlCol="0" fromWordArt="0" anchor="b" anchorCtr="0" forceAA="0" compatLnSpc="1">
+            <a:prstTxWarp prst="textNoShape">
+              <a:avLst/>
+            </a:prstTxWarp>
+            <a:spAutoFit/>
+          </a:bodyPr>
+          <a:lstStyle>
+            <a:defPPr>
+              <a:defRPr lang="pt-PT"/>
+            </a:defPPr>
+            <a:lvl1pPr marL="0" algn="l" defTabSz="914400" rtl="0" eaLnBrk="1" latinLnBrk="0" hangingPunct="1">
+              <a:defRPr sz="1800" kern="1200">
+                <a:solidFill>
+                  <a:schemeClr val="tx1"/>
+                </a:solidFill>
+                <a:latin typeface="+mn-lt"/>
+                <a:ea typeface="+mn-ea"/>
+                <a:cs typeface="+mn-cs"/>
+              </a:defRPr>
+            </a:lvl1pPr>
+            <a:lvl2pPr marL="457200" algn="l" defTabSz="914400" rtl="0" eaLnBrk="1" latinLnBrk="0" hangingPunct="1">
+              <a:defRPr sz="1800" kern="1200">
+                <a:solidFill>
+                  <a:schemeClr val="tx1"/>
+                </a:solidFill>
+                <a:latin typeface="+mn-lt"/>
+                <a:ea typeface="+mn-ea"/>
+                <a:cs typeface="+mn-cs"/>
+              </a:defRPr>
+            </a:lvl2pPr>
+            <a:lvl3pPr marL="914400" algn="l" defTabSz="914400" rtl="0" eaLnBrk="1" latinLnBrk="0" hangingPunct="1">
+              <a:defRPr sz="1800" kern="1200">
+                <a:solidFill>
+                  <a:schemeClr val="tx1"/>
+                </a:solidFill>
+                <a:latin typeface="+mn-lt"/>
+                <a:ea typeface="+mn-ea"/>
+                <a:cs typeface="+mn-cs"/>
+              </a:defRPr>
+            </a:lvl3pPr>
+            <a:lvl4pPr marL="1371600" algn="l" defTabSz="914400" rtl="0" eaLnBrk="1" latinLnBrk="0" hangingPunct="1">
+              <a:defRPr sz="1800" kern="1200">
+                <a:solidFill>
+                  <a:schemeClr val="tx1"/>
+                </a:solidFill>
+                <a:latin typeface="+mn-lt"/>
+                <a:ea typeface="+mn-ea"/>
+                <a:cs typeface="+mn-cs"/>
+              </a:defRPr>
+            </a:lvl4pPr>
+            <a:lvl5pPr marL="1828800" algn="l" defTabSz="914400" rtl="0" eaLnBrk="1" latinLnBrk="0" hangingPunct="1">
+              <a:defRPr sz="1800" kern="1200">
+                <a:solidFill>
+                  <a:schemeClr val="tx1"/>
+                </a:solidFill>
+                <a:latin typeface="+mn-lt"/>
+                <a:ea typeface="+mn-ea"/>
+                <a:cs typeface="+mn-cs"/>
+              </a:defRPr>
+            </a:lvl5pPr>
+            <a:lvl6pPr marL="2286000" algn="l" defTabSz="914400" rtl="0" eaLnBrk="1" latinLnBrk="0" hangingPunct="1">
+              <a:defRPr sz="1800" kern="1200">
+                <a:solidFill>
+                  <a:schemeClr val="tx1"/>
+                </a:solidFill>
+                <a:latin typeface="+mn-lt"/>
+                <a:ea typeface="+mn-ea"/>
+                <a:cs typeface="+mn-cs"/>
+              </a:defRPr>
+            </a:lvl6pPr>
+            <a:lvl7pPr marL="2743200" algn="l" defTabSz="914400" rtl="0" eaLnBrk="1" latinLnBrk="0" hangingPunct="1">
+              <a:defRPr sz="1800" kern="1200">
+                <a:solidFill>
+                  <a:schemeClr val="tx1"/>
+                </a:solidFill>
+                <a:latin typeface="+mn-lt"/>
+                <a:ea typeface="+mn-ea"/>
+                <a:cs typeface="+mn-cs"/>
+              </a:defRPr>
+            </a:lvl7pPr>
+            <a:lvl8pPr marL="3200400" algn="l" defTabSz="914400" rtl="0" eaLnBrk="1" latinLnBrk="0" hangingPunct="1">
+              <a:defRPr sz="1800" kern="1200">
+                <a:solidFill>
+                  <a:schemeClr val="tx1"/>
+                </a:solidFill>
+                <a:latin typeface="+mn-lt"/>
+                <a:ea typeface="+mn-ea"/>
+                <a:cs typeface="+mn-cs"/>
+              </a:defRPr>
+            </a:lvl8pPr>
+            <a:lvl9pPr marL="3657600" algn="l" defTabSz="914400" rtl="0" eaLnBrk="1" latinLnBrk="0" hangingPunct="1">
+              <a:defRPr sz="1800" kern="1200">
+                <a:solidFill>
+                  <a:schemeClr val="tx1"/>
+                </a:solidFill>
+                <a:latin typeface="+mn-lt"/>
+                <a:ea typeface="+mn-ea"/>
+                <a:cs typeface="+mn-cs"/>
+              </a:defRPr>
+            </a:lvl9pPr>
+          </a:lstStyle>
+          <a:p>
+            <a:pPr algn="r"/>
+            <a:endParaRPr lang="pt-PT" sz="2500" dirty="0">
+              <a:latin typeface="Arial"/>
+              <a:ea typeface="Calibri"/>
+              <a:cs typeface="Calibri"/>
+            </a:endParaRPr>
+          </a:p>
+          <a:p>
+            <a:pPr algn="r"/>
+            <a:endParaRPr lang="pt-PT" sz="2500" dirty="0">
+              <a:latin typeface="Arial"/>
+              <a:ea typeface="Calibri"/>
+              <a:cs typeface="Calibri"/>
+            </a:endParaRPr>
+          </a:p>
+        </p:txBody>
+      </p:sp>
     </p:spTree>
     <p:extLst>
       <p:ext uri="{BB962C8B-B14F-4D97-AF65-F5344CB8AC3E}">
@@ -3579,6 +3724,143 @@
           </a:p>
         </p:txBody>
       </p:sp>
+      <p:sp>
+        <p:nvSpPr>
+          <p:cNvPr id="4" name="CaixaDeTexto 1">
+            <a:extLst>
+              <a:ext uri="{FF2B5EF4-FFF2-40B4-BE49-F238E27FC236}">
+                <a16:creationId xmlns:a16="http://schemas.microsoft.com/office/drawing/2014/main" id="{7919184A-3A0D-F534-0F0C-15CA0F0CA5B4}"/>
+              </a:ext>
+            </a:extLst>
+          </p:cNvPr>
+          <p:cNvSpPr txBox="1"/>
+          <p:nvPr/>
+        </p:nvSpPr>
+        <p:spPr>
+          <a:xfrm>
+            <a:off x="9450657" y="6381469"/>
+            <a:ext cx="2743200" cy="477054"/>
+          </a:xfrm>
+          <a:prstGeom prst="rect">
+            <a:avLst/>
+          </a:prstGeom>
+          <a:noFill/>
+        </p:spPr>
+        <p:txBody>
+          <a:bodyPr rot="0" spcFirstLastPara="0" vert="horz" wrap="square" lIns="91440" tIns="45720" rIns="91440" bIns="45720" numCol="1" spcCol="0" rtlCol="0" fromWordArt="0" anchor="b" anchorCtr="0" forceAA="0" compatLnSpc="1">
+            <a:prstTxWarp prst="textNoShape">
+              <a:avLst/>
+            </a:prstTxWarp>
+            <a:spAutoFit/>
+          </a:bodyPr>
+          <a:lstStyle>
+            <a:defPPr>
+              <a:defRPr lang="pt-PT"/>
+            </a:defPPr>
+            <a:lvl1pPr marL="0" algn="l" defTabSz="914400" rtl="0" eaLnBrk="1" latinLnBrk="0" hangingPunct="1">
+              <a:defRPr sz="1800" kern="1200">
+                <a:solidFill>
+                  <a:schemeClr val="tx1"/>
+                </a:solidFill>
+                <a:latin typeface="+mn-lt"/>
+                <a:ea typeface="+mn-ea"/>
+                <a:cs typeface="+mn-cs"/>
+              </a:defRPr>
+            </a:lvl1pPr>
+            <a:lvl2pPr marL="457200" algn="l" defTabSz="914400" rtl="0" eaLnBrk="1" latinLnBrk="0" hangingPunct="1">
+              <a:defRPr sz="1800" kern="1200">
+                <a:solidFill>
+                  <a:schemeClr val="tx1"/>
+                </a:solidFill>
+                <a:latin typeface="+mn-lt"/>
+                <a:ea typeface="+mn-ea"/>
+                <a:cs typeface="+mn-cs"/>
+              </a:defRPr>
+            </a:lvl2pPr>
+            <a:lvl3pPr marL="914400" algn="l" defTabSz="914400" rtl="0" eaLnBrk="1" latinLnBrk="0" hangingPunct="1">
+              <a:defRPr sz="1800" kern="1200">
+                <a:solidFill>
+                  <a:schemeClr val="tx1"/>
+                </a:solidFill>
+                <a:latin typeface="+mn-lt"/>
+                <a:ea typeface="+mn-ea"/>
+                <a:cs typeface="+mn-cs"/>
+              </a:defRPr>
+            </a:lvl3pPr>
+            <a:lvl4pPr marL="1371600" algn="l" defTabSz="914400" rtl="0" eaLnBrk="1" latinLnBrk="0" hangingPunct="1">
+              <a:defRPr sz="1800" kern="1200">
+                <a:solidFill>
+                  <a:schemeClr val="tx1"/>
+                </a:solidFill>
+                <a:latin typeface="+mn-lt"/>
+                <a:ea typeface="+mn-ea"/>
+                <a:cs typeface="+mn-cs"/>
+              </a:defRPr>
+            </a:lvl4pPr>
+            <a:lvl5pPr marL="1828800" algn="l" defTabSz="914400" rtl="0" eaLnBrk="1" latinLnBrk="0" hangingPunct="1">
+              <a:defRPr sz="1800" kern="1200">
+                <a:solidFill>
+                  <a:schemeClr val="tx1"/>
+                </a:solidFill>
+                <a:latin typeface="+mn-lt"/>
+                <a:ea typeface="+mn-ea"/>
+                <a:cs typeface="+mn-cs"/>
+              </a:defRPr>
+            </a:lvl5pPr>
+            <a:lvl6pPr marL="2286000" algn="l" defTabSz="914400" rtl="0" eaLnBrk="1" latinLnBrk="0" hangingPunct="1">
+              <a:defRPr sz="1800" kern="1200">
+                <a:solidFill>
+                  <a:schemeClr val="tx1"/>
+                </a:solidFill>
+                <a:latin typeface="+mn-lt"/>
+                <a:ea typeface="+mn-ea"/>
+                <a:cs typeface="+mn-cs"/>
+              </a:defRPr>
+            </a:lvl6pPr>
+            <a:lvl7pPr marL="2743200" algn="l" defTabSz="914400" rtl="0" eaLnBrk="1" latinLnBrk="0" hangingPunct="1">
+              <a:defRPr sz="1800" kern="1200">
+                <a:solidFill>
+                  <a:schemeClr val="tx1"/>
+                </a:solidFill>
+                <a:latin typeface="+mn-lt"/>
+                <a:ea typeface="+mn-ea"/>
+                <a:cs typeface="+mn-cs"/>
+              </a:defRPr>
+            </a:lvl7pPr>
+            <a:lvl8pPr marL="3200400" algn="l" defTabSz="914400" rtl="0" eaLnBrk="1" latinLnBrk="0" hangingPunct="1">
+              <a:defRPr sz="1800" kern="1200">
+                <a:solidFill>
+                  <a:schemeClr val="tx1"/>
+                </a:solidFill>
+                <a:latin typeface="+mn-lt"/>
+                <a:ea typeface="+mn-ea"/>
+                <a:cs typeface="+mn-cs"/>
+              </a:defRPr>
+            </a:lvl8pPr>
+            <a:lvl9pPr marL="3657600" algn="l" defTabSz="914400" rtl="0" eaLnBrk="1" latinLnBrk="0" hangingPunct="1">
+              <a:defRPr sz="1800" kern="1200">
+                <a:solidFill>
+                  <a:schemeClr val="tx1"/>
+                </a:solidFill>
+                <a:latin typeface="+mn-lt"/>
+                <a:ea typeface="+mn-ea"/>
+                <a:cs typeface="+mn-cs"/>
+              </a:defRPr>
+            </a:lvl9pPr>
+          </a:lstStyle>
+          <a:p>
+            <a:pPr algn="r"/>
+            <a:r>
+              <a:rPr lang="pt-PT" sz="2500" dirty="0">
+                <a:latin typeface="Arial"/>
+                <a:ea typeface="Calibri"/>
+                <a:cs typeface="Calibri"/>
+              </a:rPr>
+              <a:t>2</a:t>
+            </a:r>
+          </a:p>
+        </p:txBody>
+      </p:sp>
     </p:spTree>
     <p:extLst>
       <p:ext uri="{BB962C8B-B14F-4D97-AF65-F5344CB8AC3E}">
@@ -4226,6 +4508,143 @@
           </a:p>
         </p:txBody>
       </p:sp>
+      <p:sp>
+        <p:nvSpPr>
+          <p:cNvPr id="4" name="CaixaDeTexto 1">
+            <a:extLst>
+              <a:ext uri="{FF2B5EF4-FFF2-40B4-BE49-F238E27FC236}">
+                <a16:creationId xmlns:a16="http://schemas.microsoft.com/office/drawing/2014/main" id="{7919184A-3A0D-F534-0F0C-15CA0F0CA5B4}"/>
+              </a:ext>
+            </a:extLst>
+          </p:cNvPr>
+          <p:cNvSpPr txBox="1"/>
+          <p:nvPr/>
+        </p:nvSpPr>
+        <p:spPr>
+          <a:xfrm>
+            <a:off x="9450657" y="6381469"/>
+            <a:ext cx="2743200" cy="477054"/>
+          </a:xfrm>
+          <a:prstGeom prst="rect">
+            <a:avLst/>
+          </a:prstGeom>
+          <a:noFill/>
+        </p:spPr>
+        <p:txBody>
+          <a:bodyPr rot="0" spcFirstLastPara="0" vert="horz" wrap="square" lIns="91440" tIns="45720" rIns="91440" bIns="45720" numCol="1" spcCol="0" rtlCol="0" fromWordArt="0" anchor="b" anchorCtr="0" forceAA="0" compatLnSpc="1">
+            <a:prstTxWarp prst="textNoShape">
+              <a:avLst/>
+            </a:prstTxWarp>
+            <a:spAutoFit/>
+          </a:bodyPr>
+          <a:lstStyle>
+            <a:defPPr>
+              <a:defRPr lang="pt-PT"/>
+            </a:defPPr>
+            <a:lvl1pPr marL="0" algn="l" defTabSz="914400" rtl="0" eaLnBrk="1" latinLnBrk="0" hangingPunct="1">
+              <a:defRPr sz="1800" kern="1200">
+                <a:solidFill>
+                  <a:schemeClr val="tx1"/>
+                </a:solidFill>
+                <a:latin typeface="+mn-lt"/>
+                <a:ea typeface="+mn-ea"/>
+                <a:cs typeface="+mn-cs"/>
+              </a:defRPr>
+            </a:lvl1pPr>
+            <a:lvl2pPr marL="457200" algn="l" defTabSz="914400" rtl="0" eaLnBrk="1" latinLnBrk="0" hangingPunct="1">
+              <a:defRPr sz="1800" kern="1200">
+                <a:solidFill>
+                  <a:schemeClr val="tx1"/>
+                </a:solidFill>
+                <a:latin typeface="+mn-lt"/>
+                <a:ea typeface="+mn-ea"/>
+                <a:cs typeface="+mn-cs"/>
+              </a:defRPr>
+            </a:lvl2pPr>
+            <a:lvl3pPr marL="914400" algn="l" defTabSz="914400" rtl="0" eaLnBrk="1" latinLnBrk="0" hangingPunct="1">
+              <a:defRPr sz="1800" kern="1200">
+                <a:solidFill>
+                  <a:schemeClr val="tx1"/>
+                </a:solidFill>
+                <a:latin typeface="+mn-lt"/>
+                <a:ea typeface="+mn-ea"/>
+                <a:cs typeface="+mn-cs"/>
+              </a:defRPr>
+            </a:lvl3pPr>
+            <a:lvl4pPr marL="1371600" algn="l" defTabSz="914400" rtl="0" eaLnBrk="1" latinLnBrk="0" hangingPunct="1">
+              <a:defRPr sz="1800" kern="1200">
+                <a:solidFill>
+                  <a:schemeClr val="tx1"/>
+                </a:solidFill>
+                <a:latin typeface="+mn-lt"/>
+                <a:ea typeface="+mn-ea"/>
+                <a:cs typeface="+mn-cs"/>
+              </a:defRPr>
+            </a:lvl4pPr>
+            <a:lvl5pPr marL="1828800" algn="l" defTabSz="914400" rtl="0" eaLnBrk="1" latinLnBrk="0" hangingPunct="1">
+              <a:defRPr sz="1800" kern="1200">
+                <a:solidFill>
+                  <a:schemeClr val="tx1"/>
+                </a:solidFill>
+                <a:latin typeface="+mn-lt"/>
+                <a:ea typeface="+mn-ea"/>
+                <a:cs typeface="+mn-cs"/>
+              </a:defRPr>
+            </a:lvl5pPr>
+            <a:lvl6pPr marL="2286000" algn="l" defTabSz="914400" rtl="0" eaLnBrk="1" latinLnBrk="0" hangingPunct="1">
+              <a:defRPr sz="1800" kern="1200">
+                <a:solidFill>
+                  <a:schemeClr val="tx1"/>
+                </a:solidFill>
+                <a:latin typeface="+mn-lt"/>
+                <a:ea typeface="+mn-ea"/>
+                <a:cs typeface="+mn-cs"/>
+              </a:defRPr>
+            </a:lvl6pPr>
+            <a:lvl7pPr marL="2743200" algn="l" defTabSz="914400" rtl="0" eaLnBrk="1" latinLnBrk="0" hangingPunct="1">
+              <a:defRPr sz="1800" kern="1200">
+                <a:solidFill>
+                  <a:schemeClr val="tx1"/>
+                </a:solidFill>
+                <a:latin typeface="+mn-lt"/>
+                <a:ea typeface="+mn-ea"/>
+                <a:cs typeface="+mn-cs"/>
+              </a:defRPr>
+            </a:lvl7pPr>
+            <a:lvl8pPr marL="3200400" algn="l" defTabSz="914400" rtl="0" eaLnBrk="1" latinLnBrk="0" hangingPunct="1">
+              <a:defRPr sz="1800" kern="1200">
+                <a:solidFill>
+                  <a:schemeClr val="tx1"/>
+                </a:solidFill>
+                <a:latin typeface="+mn-lt"/>
+                <a:ea typeface="+mn-ea"/>
+                <a:cs typeface="+mn-cs"/>
+              </a:defRPr>
+            </a:lvl8pPr>
+            <a:lvl9pPr marL="3657600" algn="l" defTabSz="914400" rtl="0" eaLnBrk="1" latinLnBrk="0" hangingPunct="1">
+              <a:defRPr sz="1800" kern="1200">
+                <a:solidFill>
+                  <a:schemeClr val="tx1"/>
+                </a:solidFill>
+                <a:latin typeface="+mn-lt"/>
+                <a:ea typeface="+mn-ea"/>
+                <a:cs typeface="+mn-cs"/>
+              </a:defRPr>
+            </a:lvl9pPr>
+          </a:lstStyle>
+          <a:p>
+            <a:pPr algn="r"/>
+            <a:r>
+              <a:rPr lang="pt-PT" sz="2500" dirty="0">
+                <a:latin typeface="Arial"/>
+                <a:ea typeface="Calibri"/>
+                <a:cs typeface="Calibri"/>
+              </a:rPr>
+              <a:t>3</a:t>
+            </a:r>
+          </a:p>
+        </p:txBody>
+      </p:sp>
     </p:spTree>
     <p:extLst>
       <p:ext uri="{BB962C8B-B14F-4D97-AF65-F5344CB8AC3E}">
@@ -5057,10 +5476,1342 @@
           </a:p>
         </p:txBody>
       </p:sp>
+      <p:sp>
+        <p:nvSpPr>
+          <p:cNvPr id="4" name="CaixaDeTexto 1">
+            <a:extLst>
+              <a:ext uri="{FF2B5EF4-FFF2-40B4-BE49-F238E27FC236}">
+                <a16:creationId xmlns:a16="http://schemas.microsoft.com/office/drawing/2014/main" id="{7919184A-3A0D-F534-0F0C-15CA0F0CA5B4}"/>
+              </a:ext>
+            </a:extLst>
+          </p:cNvPr>
+          <p:cNvSpPr txBox="1"/>
+          <p:nvPr/>
+        </p:nvSpPr>
+        <p:spPr>
+          <a:xfrm>
+            <a:off x="9450657" y="6381469"/>
+            <a:ext cx="2743200" cy="477054"/>
+          </a:xfrm>
+          <a:prstGeom prst="rect">
+            <a:avLst/>
+          </a:prstGeom>
+          <a:noFill/>
+        </p:spPr>
+        <p:txBody>
+          <a:bodyPr rot="0" spcFirstLastPara="0" vert="horz" wrap="square" lIns="91440" tIns="45720" rIns="91440" bIns="45720" numCol="1" spcCol="0" rtlCol="0" fromWordArt="0" anchor="b" anchorCtr="0" forceAA="0" compatLnSpc="1">
+            <a:prstTxWarp prst="textNoShape">
+              <a:avLst/>
+            </a:prstTxWarp>
+            <a:spAutoFit/>
+          </a:bodyPr>
+          <a:lstStyle>
+            <a:defPPr>
+              <a:defRPr lang="pt-PT"/>
+            </a:defPPr>
+            <a:lvl1pPr marL="0" algn="l" defTabSz="914400" rtl="0" eaLnBrk="1" latinLnBrk="0" hangingPunct="1">
+              <a:defRPr sz="1800" kern="1200">
+                <a:solidFill>
+                  <a:schemeClr val="tx1"/>
+                </a:solidFill>
+                <a:latin typeface="+mn-lt"/>
+                <a:ea typeface="+mn-ea"/>
+                <a:cs typeface="+mn-cs"/>
+              </a:defRPr>
+            </a:lvl1pPr>
+            <a:lvl2pPr marL="457200" algn="l" defTabSz="914400" rtl="0" eaLnBrk="1" latinLnBrk="0" hangingPunct="1">
+              <a:defRPr sz="1800" kern="1200">
+                <a:solidFill>
+                  <a:schemeClr val="tx1"/>
+                </a:solidFill>
+                <a:latin typeface="+mn-lt"/>
+                <a:ea typeface="+mn-ea"/>
+                <a:cs typeface="+mn-cs"/>
+              </a:defRPr>
+            </a:lvl2pPr>
+            <a:lvl3pPr marL="914400" algn="l" defTabSz="914400" rtl="0" eaLnBrk="1" latinLnBrk="0" hangingPunct="1">
+              <a:defRPr sz="1800" kern="1200">
+                <a:solidFill>
+                  <a:schemeClr val="tx1"/>
+                </a:solidFill>
+                <a:latin typeface="+mn-lt"/>
+                <a:ea typeface="+mn-ea"/>
+                <a:cs typeface="+mn-cs"/>
+              </a:defRPr>
+            </a:lvl3pPr>
+            <a:lvl4pPr marL="1371600" algn="l" defTabSz="914400" rtl="0" eaLnBrk="1" latinLnBrk="0" hangingPunct="1">
+              <a:defRPr sz="1800" kern="1200">
+                <a:solidFill>
+                  <a:schemeClr val="tx1"/>
+                </a:solidFill>
+                <a:latin typeface="+mn-lt"/>
+                <a:ea typeface="+mn-ea"/>
+                <a:cs typeface="+mn-cs"/>
+              </a:defRPr>
+            </a:lvl4pPr>
+            <a:lvl5pPr marL="1828800" algn="l" defTabSz="914400" rtl="0" eaLnBrk="1" latinLnBrk="0" hangingPunct="1">
+              <a:defRPr sz="1800" kern="1200">
+                <a:solidFill>
+                  <a:schemeClr val="tx1"/>
+                </a:solidFill>
+                <a:latin typeface="+mn-lt"/>
+                <a:ea typeface="+mn-ea"/>
+                <a:cs typeface="+mn-cs"/>
+              </a:defRPr>
+            </a:lvl5pPr>
+            <a:lvl6pPr marL="2286000" algn="l" defTabSz="914400" rtl="0" eaLnBrk="1" latinLnBrk="0" hangingPunct="1">
+              <a:defRPr sz="1800" kern="1200">
+                <a:solidFill>
+                  <a:schemeClr val="tx1"/>
+                </a:solidFill>
+                <a:latin typeface="+mn-lt"/>
+                <a:ea typeface="+mn-ea"/>
+                <a:cs typeface="+mn-cs"/>
+              </a:defRPr>
+            </a:lvl6pPr>
+            <a:lvl7pPr marL="2743200" algn="l" defTabSz="914400" rtl="0" eaLnBrk="1" latinLnBrk="0" hangingPunct="1">
+              <a:defRPr sz="1800" kern="1200">
+                <a:solidFill>
+                  <a:schemeClr val="tx1"/>
+                </a:solidFill>
+                <a:latin typeface="+mn-lt"/>
+                <a:ea typeface="+mn-ea"/>
+                <a:cs typeface="+mn-cs"/>
+              </a:defRPr>
+            </a:lvl7pPr>
+            <a:lvl8pPr marL="3200400" algn="l" defTabSz="914400" rtl="0" eaLnBrk="1" latinLnBrk="0" hangingPunct="1">
+              <a:defRPr sz="1800" kern="1200">
+                <a:solidFill>
+                  <a:schemeClr val="tx1"/>
+                </a:solidFill>
+                <a:latin typeface="+mn-lt"/>
+                <a:ea typeface="+mn-ea"/>
+                <a:cs typeface="+mn-cs"/>
+              </a:defRPr>
+            </a:lvl8pPr>
+            <a:lvl9pPr marL="3657600" algn="l" defTabSz="914400" rtl="0" eaLnBrk="1" latinLnBrk="0" hangingPunct="1">
+              <a:defRPr sz="1800" kern="1200">
+                <a:solidFill>
+                  <a:schemeClr val="tx1"/>
+                </a:solidFill>
+                <a:latin typeface="+mn-lt"/>
+                <a:ea typeface="+mn-ea"/>
+                <a:cs typeface="+mn-cs"/>
+              </a:defRPr>
+            </a:lvl9pPr>
+          </a:lstStyle>
+          <a:p>
+            <a:pPr algn="r"/>
+            <a:r>
+              <a:rPr lang="pt-PT" sz="2500" dirty="0">
+                <a:latin typeface="Arial"/>
+                <a:ea typeface="Calibri"/>
+                <a:cs typeface="Calibri"/>
+              </a:rPr>
+              <a:t>4</a:t>
+            </a:r>
+          </a:p>
+        </p:txBody>
+      </p:sp>
     </p:spTree>
     <p:extLst>
       <p:ext uri="{BB962C8B-B14F-4D97-AF65-F5344CB8AC3E}">
         <p14:creationId xmlns:p14="http://schemas.microsoft.com/office/powerpoint/2010/main" val="3808441443"/>
+      </p:ext>
+    </p:extLst>
+  </p:cSld>
+  <p:clrMapOvr>
+    <a:masterClrMapping/>
+  </p:clrMapOvr>
+</p:sld>
+</file>
+
+<file path=ppt/slides/slide5.xml><?xml version="1.0" encoding="utf-8"?>
+<p:sld xmlns:a="http://schemas.openxmlformats.org/drawingml/2006/main" xmlns:r="http://schemas.openxmlformats.org/officeDocument/2006/relationships" xmlns:p="http://schemas.openxmlformats.org/presentationml/2006/main">
+  <p:cSld>
+    <p:spTree>
+      <p:nvGrpSpPr>
+        <p:cNvPr id="1" name=""/>
+        <p:cNvGrpSpPr/>
+        <p:nvPr/>
+      </p:nvGrpSpPr>
+      <p:grpSpPr>
+        <a:xfrm>
+          <a:off x="0" y="0"/>
+          <a:ext cx="0" cy="0"/>
+          <a:chOff x="0" y="0"/>
+          <a:chExt cx="0" cy="0"/>
+        </a:xfrm>
+      </p:grpSpPr>
+      <p:sp>
+        <p:nvSpPr>
+          <p:cNvPr id="2" name="Título 1">
+            <a:extLst>
+              <a:ext uri="{FF2B5EF4-FFF2-40B4-BE49-F238E27FC236}">
+                <a16:creationId xmlns:a16="http://schemas.microsoft.com/office/drawing/2014/main" id="{EA5B7341-0E5B-8AF7-1D23-9E50994844CB}"/>
+              </a:ext>
+            </a:extLst>
+          </p:cNvPr>
+          <p:cNvSpPr>
+            <a:spLocks noGrp="1"/>
+          </p:cNvSpPr>
+          <p:nvPr>
+            <p:ph type="ctrTitle"/>
+          </p:nvPr>
+        </p:nvSpPr>
+        <p:spPr>
+          <a:xfrm>
+            <a:off x="1524000" y="-584"/>
+            <a:ext cx="9144000" cy="873627"/>
+          </a:xfrm>
+        </p:spPr>
+        <p:txBody>
+          <a:bodyPr>
+            <a:normAutofit/>
+          </a:bodyPr>
+          <a:lstStyle/>
+          <a:p>
+            <a:r>
+              <a:rPr lang="pt-PT" sz="4000" dirty="0" err="1">
+                <a:latin typeface="Arial"/>
+                <a:cs typeface="Calibri Light"/>
+              </a:rPr>
+              <a:t>Actors</a:t>
+            </a:r>
+          </a:p>
+        </p:txBody>
+      </p:sp>
+      <p:sp>
+        <p:nvSpPr>
+          <p:cNvPr id="3" name="Subtítulo 2">
+            <a:extLst>
+              <a:ext uri="{FF2B5EF4-FFF2-40B4-BE49-F238E27FC236}">
+                <a16:creationId xmlns:a16="http://schemas.microsoft.com/office/drawing/2014/main" id="{293A4691-4665-E41C-AA76-3BC078C9C5F8}"/>
+              </a:ext>
+            </a:extLst>
+          </p:cNvPr>
+          <p:cNvSpPr>
+            <a:spLocks noGrp="1"/>
+          </p:cNvSpPr>
+          <p:nvPr>
+            <p:ph type="subTitle" idx="1"/>
+          </p:nvPr>
+        </p:nvSpPr>
+        <p:spPr>
+          <a:xfrm>
+            <a:off x="320843" y="1366170"/>
+            <a:ext cx="11670630" cy="5495840"/>
+          </a:xfrm>
+        </p:spPr>
+        <p:txBody>
+          <a:bodyPr vert="horz" lIns="91440" tIns="45720" rIns="91440" bIns="45720" rtlCol="0" anchor="t">
+            <a:normAutofit/>
+          </a:bodyPr>
+          <a:lstStyle/>
+          <a:p>
+            <a:pPr marL="285750" indent="-285750" algn="l">
+              <a:buFont typeface="Arial"/>
+              <a:buChar char="•"/>
+            </a:pPr>
+            <a:r>
+              <a:rPr lang="pt-PT" sz="2000" dirty="0" err="1">
+                <a:latin typeface="Arial"/>
+                <a:ea typeface="+mn-lt"/>
+                <a:cs typeface="Arial"/>
+              </a:rPr>
+              <a:t>User</a:t>
+            </a:r>
+            <a:r>
+              <a:rPr lang="pt-PT" sz="2000" dirty="0">
+                <a:latin typeface="Arial"/>
+                <a:ea typeface="+mn-lt"/>
+                <a:cs typeface="Arial"/>
+              </a:rPr>
+              <a:t> – </a:t>
+            </a:r>
+            <a:r>
+              <a:rPr lang="pt-PT" sz="2000" dirty="0" err="1">
+                <a:latin typeface="Arial"/>
+                <a:ea typeface="+mn-lt"/>
+                <a:cs typeface="Arial"/>
+              </a:rPr>
+              <a:t>most</a:t>
+            </a:r>
+            <a:r>
+              <a:rPr lang="pt-PT" sz="2000" dirty="0">
+                <a:latin typeface="Arial"/>
+                <a:ea typeface="+mn-lt"/>
+                <a:cs typeface="Arial"/>
+              </a:rPr>
+              <a:t> </a:t>
+            </a:r>
+            <a:r>
+              <a:rPr lang="pt-PT" sz="2000" dirty="0" err="1">
+                <a:latin typeface="Arial"/>
+                <a:ea typeface="+mn-lt"/>
+                <a:cs typeface="Arial"/>
+              </a:rPr>
+              <a:t>features</a:t>
+            </a:r>
+            <a:endParaRPr lang="pt-PT" sz="2000" dirty="0">
+              <a:latin typeface="Arial"/>
+              <a:ea typeface="+mn-lt"/>
+              <a:cs typeface="Arial"/>
+            </a:endParaRPr>
+          </a:p>
+          <a:p>
+            <a:pPr marL="742950" lvl="1" indent="-285750" algn="l">
+              <a:buFont typeface="Arial"/>
+              <a:buChar char="•"/>
+            </a:pPr>
+            <a:r>
+              <a:rPr lang="pt-PT" dirty="0" err="1">
+                <a:latin typeface="Arial"/>
+                <a:ea typeface="+mn-lt"/>
+                <a:cs typeface="Arial"/>
+              </a:rPr>
+              <a:t>Journalists</a:t>
+            </a:r>
+            <a:endParaRPr lang="pt-PT" dirty="0">
+              <a:latin typeface="Arial"/>
+              <a:ea typeface="+mn-lt"/>
+              <a:cs typeface="Arial"/>
+            </a:endParaRPr>
+          </a:p>
+          <a:p>
+            <a:pPr marL="742950" lvl="1" indent="-285750" algn="l">
+              <a:buFont typeface="Arial"/>
+              <a:buChar char="•"/>
+            </a:pPr>
+            <a:r>
+              <a:rPr lang="pt-PT" dirty="0" err="1">
+                <a:latin typeface="Arial"/>
+                <a:ea typeface="+mn-lt"/>
+                <a:cs typeface="Arial"/>
+              </a:rPr>
+              <a:t>Researchers</a:t>
+            </a:r>
+            <a:endParaRPr lang="pt-PT" dirty="0">
+              <a:latin typeface="Arial"/>
+              <a:ea typeface="+mn-lt"/>
+              <a:cs typeface="Arial"/>
+            </a:endParaRPr>
+          </a:p>
+          <a:p>
+            <a:pPr marL="742950" lvl="1" indent="-285750" algn="l">
+              <a:buFont typeface="Arial"/>
+              <a:buChar char="•"/>
+            </a:pPr>
+            <a:r>
+              <a:rPr lang="pt-PT" dirty="0" err="1">
+                <a:latin typeface="Arial"/>
+                <a:ea typeface="+mn-lt"/>
+                <a:cs typeface="Arial"/>
+              </a:rPr>
+              <a:t>Teachers</a:t>
+            </a:r>
+            <a:endParaRPr lang="pt-PT" dirty="0">
+              <a:latin typeface="Arial"/>
+              <a:ea typeface="+mn-lt"/>
+              <a:cs typeface="Arial"/>
+            </a:endParaRPr>
+          </a:p>
+          <a:p>
+            <a:pPr marL="742950" lvl="1" indent="-285750" algn="l">
+              <a:buFont typeface="Arial"/>
+              <a:buChar char="•"/>
+            </a:pPr>
+            <a:r>
+              <a:rPr lang="pt-PT" dirty="0">
+                <a:latin typeface="Arial"/>
+                <a:ea typeface="+mn-lt"/>
+                <a:cs typeface="Arial"/>
+              </a:rPr>
+              <a:t>Social media </a:t>
+            </a:r>
+            <a:r>
+              <a:rPr lang="pt-PT" dirty="0" err="1">
+                <a:latin typeface="Arial"/>
+                <a:ea typeface="+mn-lt"/>
+                <a:cs typeface="Arial"/>
+              </a:rPr>
+              <a:t>users</a:t>
+            </a:r>
+            <a:endParaRPr lang="pt-PT" dirty="0">
+              <a:latin typeface="Arial"/>
+              <a:ea typeface="+mn-lt"/>
+              <a:cs typeface="Arial"/>
+            </a:endParaRPr>
+          </a:p>
+          <a:p>
+            <a:pPr marL="742950" lvl="1" indent="-285750" algn="l">
+              <a:buFont typeface="Arial"/>
+              <a:buChar char="•"/>
+            </a:pPr>
+            <a:r>
+              <a:rPr lang="pt-PT" err="1">
+                <a:latin typeface="Arial"/>
+                <a:ea typeface="+mn-lt"/>
+                <a:cs typeface="Arial"/>
+              </a:rPr>
+              <a:t>Students</a:t>
+            </a:r>
+            <a:endParaRPr lang="pt-PT">
+              <a:latin typeface="Arial"/>
+              <a:ea typeface="+mn-lt"/>
+              <a:cs typeface="Arial"/>
+            </a:endParaRPr>
+          </a:p>
+          <a:p>
+            <a:pPr marL="742950" lvl="1" indent="-285750" algn="l">
+              <a:buFont typeface="Arial"/>
+              <a:buChar char="•"/>
+            </a:pPr>
+            <a:endParaRPr lang="pt-PT" dirty="0">
+              <a:latin typeface="Arial"/>
+              <a:ea typeface="+mn-lt"/>
+              <a:cs typeface="Arial"/>
+            </a:endParaRPr>
+          </a:p>
+          <a:p>
+            <a:pPr marL="285750" indent="-285750" algn="l">
+              <a:buFont typeface="Arial,Sans-Serif"/>
+              <a:buChar char="•"/>
+            </a:pPr>
+            <a:r>
+              <a:rPr lang="pt-PT" sz="2000" dirty="0">
+                <a:latin typeface="Arial"/>
+                <a:ea typeface="+mn-lt"/>
+                <a:cs typeface="Arial"/>
+              </a:rPr>
+              <a:t>LM </a:t>
+            </a:r>
+            <a:r>
+              <a:rPr lang="pt-PT" sz="2000" err="1">
+                <a:latin typeface="Arial"/>
+                <a:ea typeface="+mn-lt"/>
+                <a:cs typeface="Arial"/>
+              </a:rPr>
+              <a:t>dev</a:t>
+            </a:r>
+            <a:r>
+              <a:rPr lang="pt-PT" sz="2000" dirty="0">
+                <a:latin typeface="Arial"/>
+                <a:ea typeface="+mn-lt"/>
+                <a:cs typeface="Arial"/>
+              </a:rPr>
+              <a:t> – can </a:t>
+            </a:r>
+            <a:r>
+              <a:rPr lang="pt-PT" sz="2000" err="1">
+                <a:latin typeface="Arial"/>
+                <a:ea typeface="+mn-lt"/>
+                <a:cs typeface="Arial"/>
+              </a:rPr>
+              <a:t>add</a:t>
+            </a:r>
+            <a:r>
+              <a:rPr lang="pt-PT" sz="2000" dirty="0">
+                <a:latin typeface="Arial"/>
+                <a:ea typeface="+mn-lt"/>
+                <a:cs typeface="Arial"/>
+              </a:rPr>
+              <a:t> </a:t>
+            </a:r>
+            <a:r>
+              <a:rPr lang="pt-PT" sz="2000" err="1">
+                <a:latin typeface="Arial"/>
+                <a:ea typeface="+mn-lt"/>
+                <a:cs typeface="Arial"/>
+              </a:rPr>
+              <a:t>their</a:t>
+            </a:r>
+            <a:r>
+              <a:rPr lang="pt-PT" sz="2000" dirty="0">
+                <a:latin typeface="Arial"/>
+                <a:ea typeface="+mn-lt"/>
+                <a:cs typeface="Arial"/>
+              </a:rPr>
+              <a:t> LM / </a:t>
+            </a:r>
+            <a:r>
+              <a:rPr lang="pt-PT" sz="2000" err="1">
+                <a:latin typeface="Arial"/>
+                <a:ea typeface="+mn-lt"/>
+                <a:cs typeface="Arial"/>
+              </a:rPr>
+              <a:t>metrics</a:t>
+            </a:r>
+            <a:endParaRPr lang="pt-PT" sz="2000">
+              <a:latin typeface="Arial"/>
+              <a:ea typeface="+mn-lt"/>
+              <a:cs typeface="Arial"/>
+            </a:endParaRPr>
+          </a:p>
+          <a:p>
+            <a:pPr marL="285750" indent="-285750" algn="l">
+              <a:buFont typeface="Arial,Sans-Serif"/>
+              <a:buChar char="•"/>
+            </a:pPr>
+            <a:endParaRPr lang="pt-PT" sz="2000" dirty="0">
+              <a:latin typeface="Arial"/>
+              <a:ea typeface="+mn-lt"/>
+              <a:cs typeface="Arial"/>
+            </a:endParaRPr>
+          </a:p>
+          <a:p>
+            <a:pPr marL="285750" indent="-285750" algn="l">
+              <a:buFont typeface="Arial,Sans-Serif"/>
+              <a:buChar char="•"/>
+            </a:pPr>
+            <a:r>
+              <a:rPr lang="pt-PT" sz="2000" err="1">
+                <a:latin typeface="Arial"/>
+                <a:ea typeface="+mn-lt"/>
+                <a:cs typeface="Arial"/>
+              </a:rPr>
+              <a:t>Admin</a:t>
+            </a:r>
+            <a:r>
+              <a:rPr lang="pt-PT" sz="2000" dirty="0">
+                <a:latin typeface="Arial"/>
+                <a:ea typeface="+mn-lt"/>
+                <a:cs typeface="Arial"/>
+              </a:rPr>
+              <a:t> – </a:t>
+            </a:r>
+            <a:r>
+              <a:rPr lang="pt-PT" sz="2000" err="1">
+                <a:latin typeface="Arial"/>
+                <a:ea typeface="+mn-lt"/>
+                <a:cs typeface="Arial"/>
+              </a:rPr>
+              <a:t>all</a:t>
+            </a:r>
+            <a:r>
+              <a:rPr lang="pt-PT" sz="2000" dirty="0">
+                <a:latin typeface="Arial"/>
+                <a:ea typeface="+mn-lt"/>
+                <a:cs typeface="Arial"/>
+              </a:rPr>
+              <a:t> </a:t>
+            </a:r>
+            <a:r>
+              <a:rPr lang="pt-PT" sz="2000" err="1">
+                <a:latin typeface="Arial"/>
+                <a:ea typeface="+mn-lt"/>
+                <a:cs typeface="Arial"/>
+              </a:rPr>
+              <a:t>permissions</a:t>
+            </a:r>
+            <a:endParaRPr lang="pt-PT" sz="2000">
+              <a:latin typeface="Arial"/>
+              <a:ea typeface="+mn-lt"/>
+              <a:cs typeface="Arial"/>
+            </a:endParaRPr>
+          </a:p>
+          <a:p>
+            <a:pPr marL="742950" lvl="1" indent="-285750" algn="l">
+              <a:buFont typeface="Arial,Sans-Serif"/>
+              <a:buChar char="•"/>
+            </a:pPr>
+            <a:r>
+              <a:rPr lang="pt-PT" err="1">
+                <a:latin typeface="Arial"/>
+                <a:ea typeface="+mn-lt"/>
+                <a:cs typeface="Arial"/>
+              </a:rPr>
+              <a:t>Our</a:t>
+            </a:r>
+            <a:r>
+              <a:rPr lang="pt-PT" dirty="0">
+                <a:latin typeface="Arial"/>
+                <a:ea typeface="+mn-lt"/>
+                <a:cs typeface="Arial"/>
+              </a:rPr>
+              <a:t> team (4)</a:t>
+            </a:r>
+          </a:p>
+          <a:p>
+            <a:pPr marL="742950" lvl="1" indent="-285750" algn="l">
+              <a:buFont typeface="Arial,Sans-Serif"/>
+              <a:buChar char="•"/>
+            </a:pPr>
+            <a:r>
+              <a:rPr lang="pt-PT" err="1">
+                <a:latin typeface="Arial"/>
+                <a:ea typeface="+mn-lt"/>
+                <a:cs typeface="Arial"/>
+              </a:rPr>
+              <a:t>Accept</a:t>
+            </a:r>
+            <a:r>
+              <a:rPr lang="pt-PT" dirty="0">
+                <a:latin typeface="Arial"/>
+                <a:ea typeface="+mn-lt"/>
+                <a:cs typeface="Arial"/>
+              </a:rPr>
+              <a:t>/refuse </a:t>
+            </a:r>
+            <a:r>
+              <a:rPr lang="pt-PT" err="1">
+                <a:latin typeface="Arial"/>
+                <a:ea typeface="+mn-lt"/>
+                <a:cs typeface="Arial"/>
+              </a:rPr>
+              <a:t>and</a:t>
+            </a:r>
+            <a:r>
+              <a:rPr lang="pt-PT" dirty="0">
+                <a:latin typeface="Arial"/>
+                <a:ea typeface="+mn-lt"/>
+                <a:cs typeface="Arial"/>
+              </a:rPr>
+              <a:t> </a:t>
+            </a:r>
+            <a:r>
+              <a:rPr lang="pt-PT" err="1">
+                <a:latin typeface="Arial"/>
+                <a:ea typeface="+mn-lt"/>
+                <a:cs typeface="Arial"/>
+              </a:rPr>
+              <a:t>enable</a:t>
+            </a:r>
+            <a:r>
+              <a:rPr lang="pt-PT" dirty="0">
+                <a:latin typeface="Arial"/>
+                <a:ea typeface="+mn-lt"/>
+                <a:cs typeface="Arial"/>
+              </a:rPr>
+              <a:t>/</a:t>
+            </a:r>
+            <a:r>
+              <a:rPr lang="pt-PT" err="1">
+                <a:latin typeface="Arial"/>
+                <a:ea typeface="+mn-lt"/>
+                <a:cs typeface="Arial"/>
+              </a:rPr>
+              <a:t>disable</a:t>
+            </a:r>
+            <a:r>
+              <a:rPr lang="pt-PT" dirty="0">
+                <a:latin typeface="Arial"/>
+                <a:ea typeface="+mn-lt"/>
+                <a:cs typeface="Arial"/>
+              </a:rPr>
+              <a:t> </a:t>
+            </a:r>
+            <a:r>
+              <a:rPr lang="pt-PT" err="1">
+                <a:latin typeface="Arial"/>
+                <a:ea typeface="+mn-lt"/>
+                <a:cs typeface="Arial"/>
+              </a:rPr>
+              <a:t>LMs</a:t>
+            </a:r>
+            <a:r>
+              <a:rPr lang="pt-PT" dirty="0">
+                <a:latin typeface="Arial"/>
+                <a:ea typeface="+mn-lt"/>
+                <a:cs typeface="Arial"/>
+              </a:rPr>
+              <a:t> </a:t>
+            </a:r>
+            <a:r>
+              <a:rPr lang="pt-PT" err="1">
+                <a:latin typeface="Arial"/>
+                <a:ea typeface="+mn-lt"/>
+                <a:cs typeface="Arial"/>
+              </a:rPr>
+              <a:t>and</a:t>
+            </a:r>
+            <a:r>
+              <a:rPr lang="pt-PT" dirty="0">
+                <a:latin typeface="Arial"/>
+                <a:ea typeface="+mn-lt"/>
+                <a:cs typeface="Arial"/>
+              </a:rPr>
+              <a:t> </a:t>
+            </a:r>
+            <a:r>
+              <a:rPr lang="pt-PT" err="1">
+                <a:latin typeface="Arial"/>
+                <a:ea typeface="+mn-lt"/>
+                <a:cs typeface="Arial"/>
+              </a:rPr>
+              <a:t>metrics</a:t>
+            </a:r>
+            <a:endParaRPr lang="pt-PT">
+              <a:latin typeface="Arial"/>
+              <a:ea typeface="+mn-lt"/>
+              <a:cs typeface="Arial"/>
+            </a:endParaRPr>
+          </a:p>
+          <a:p>
+            <a:pPr lvl="1" algn="l"/>
+            <a:endParaRPr lang="pt-PT" dirty="0">
+              <a:latin typeface="Arial"/>
+              <a:ea typeface="+mn-lt"/>
+              <a:cs typeface="Arial"/>
+            </a:endParaRPr>
+          </a:p>
+          <a:p>
+            <a:pPr lvl="1" algn="l"/>
+            <a:endParaRPr lang="pt-PT" sz="1200" dirty="0">
+              <a:latin typeface="Arial"/>
+              <a:ea typeface="+mn-lt"/>
+              <a:cs typeface="Arial"/>
+            </a:endParaRPr>
+          </a:p>
+        </p:txBody>
+      </p:sp>
+      <p:sp>
+        <p:nvSpPr>
+          <p:cNvPr id="4" name="CaixaDeTexto 1">
+            <a:extLst>
+              <a:ext uri="{FF2B5EF4-FFF2-40B4-BE49-F238E27FC236}">
+                <a16:creationId xmlns:a16="http://schemas.microsoft.com/office/drawing/2014/main" id="{7919184A-3A0D-F534-0F0C-15CA0F0CA5B4}"/>
+              </a:ext>
+            </a:extLst>
+          </p:cNvPr>
+          <p:cNvSpPr txBox="1"/>
+          <p:nvPr/>
+        </p:nvSpPr>
+        <p:spPr>
+          <a:xfrm>
+            <a:off x="9450657" y="6381469"/>
+            <a:ext cx="2743200" cy="477054"/>
+          </a:xfrm>
+          <a:prstGeom prst="rect">
+            <a:avLst/>
+          </a:prstGeom>
+          <a:noFill/>
+        </p:spPr>
+        <p:txBody>
+          <a:bodyPr rot="0" spcFirstLastPara="0" vert="horz" wrap="square" lIns="91440" tIns="45720" rIns="91440" bIns="45720" numCol="1" spcCol="0" rtlCol="0" fromWordArt="0" anchor="b" anchorCtr="0" forceAA="0" compatLnSpc="1">
+            <a:prstTxWarp prst="textNoShape">
+              <a:avLst/>
+            </a:prstTxWarp>
+            <a:spAutoFit/>
+          </a:bodyPr>
+          <a:lstStyle>
+            <a:defPPr>
+              <a:defRPr lang="pt-PT"/>
+            </a:defPPr>
+            <a:lvl1pPr marL="0" algn="l" defTabSz="914400" rtl="0" eaLnBrk="1" latinLnBrk="0" hangingPunct="1">
+              <a:defRPr sz="1800" kern="1200">
+                <a:solidFill>
+                  <a:schemeClr val="tx1"/>
+                </a:solidFill>
+                <a:latin typeface="+mn-lt"/>
+                <a:ea typeface="+mn-ea"/>
+                <a:cs typeface="+mn-cs"/>
+              </a:defRPr>
+            </a:lvl1pPr>
+            <a:lvl2pPr marL="457200" algn="l" defTabSz="914400" rtl="0" eaLnBrk="1" latinLnBrk="0" hangingPunct="1">
+              <a:defRPr sz="1800" kern="1200">
+                <a:solidFill>
+                  <a:schemeClr val="tx1"/>
+                </a:solidFill>
+                <a:latin typeface="+mn-lt"/>
+                <a:ea typeface="+mn-ea"/>
+                <a:cs typeface="+mn-cs"/>
+              </a:defRPr>
+            </a:lvl2pPr>
+            <a:lvl3pPr marL="914400" algn="l" defTabSz="914400" rtl="0" eaLnBrk="1" latinLnBrk="0" hangingPunct="1">
+              <a:defRPr sz="1800" kern="1200">
+                <a:solidFill>
+                  <a:schemeClr val="tx1"/>
+                </a:solidFill>
+                <a:latin typeface="+mn-lt"/>
+                <a:ea typeface="+mn-ea"/>
+                <a:cs typeface="+mn-cs"/>
+              </a:defRPr>
+            </a:lvl3pPr>
+            <a:lvl4pPr marL="1371600" algn="l" defTabSz="914400" rtl="0" eaLnBrk="1" latinLnBrk="0" hangingPunct="1">
+              <a:defRPr sz="1800" kern="1200">
+                <a:solidFill>
+                  <a:schemeClr val="tx1"/>
+                </a:solidFill>
+                <a:latin typeface="+mn-lt"/>
+                <a:ea typeface="+mn-ea"/>
+                <a:cs typeface="+mn-cs"/>
+              </a:defRPr>
+            </a:lvl4pPr>
+            <a:lvl5pPr marL="1828800" algn="l" defTabSz="914400" rtl="0" eaLnBrk="1" latinLnBrk="0" hangingPunct="1">
+              <a:defRPr sz="1800" kern="1200">
+                <a:solidFill>
+                  <a:schemeClr val="tx1"/>
+                </a:solidFill>
+                <a:latin typeface="+mn-lt"/>
+                <a:ea typeface="+mn-ea"/>
+                <a:cs typeface="+mn-cs"/>
+              </a:defRPr>
+            </a:lvl5pPr>
+            <a:lvl6pPr marL="2286000" algn="l" defTabSz="914400" rtl="0" eaLnBrk="1" latinLnBrk="0" hangingPunct="1">
+              <a:defRPr sz="1800" kern="1200">
+                <a:solidFill>
+                  <a:schemeClr val="tx1"/>
+                </a:solidFill>
+                <a:latin typeface="+mn-lt"/>
+                <a:ea typeface="+mn-ea"/>
+                <a:cs typeface="+mn-cs"/>
+              </a:defRPr>
+            </a:lvl6pPr>
+            <a:lvl7pPr marL="2743200" algn="l" defTabSz="914400" rtl="0" eaLnBrk="1" latinLnBrk="0" hangingPunct="1">
+              <a:defRPr sz="1800" kern="1200">
+                <a:solidFill>
+                  <a:schemeClr val="tx1"/>
+                </a:solidFill>
+                <a:latin typeface="+mn-lt"/>
+                <a:ea typeface="+mn-ea"/>
+                <a:cs typeface="+mn-cs"/>
+              </a:defRPr>
+            </a:lvl7pPr>
+            <a:lvl8pPr marL="3200400" algn="l" defTabSz="914400" rtl="0" eaLnBrk="1" latinLnBrk="0" hangingPunct="1">
+              <a:defRPr sz="1800" kern="1200">
+                <a:solidFill>
+                  <a:schemeClr val="tx1"/>
+                </a:solidFill>
+                <a:latin typeface="+mn-lt"/>
+                <a:ea typeface="+mn-ea"/>
+                <a:cs typeface="+mn-cs"/>
+              </a:defRPr>
+            </a:lvl8pPr>
+            <a:lvl9pPr marL="3657600" algn="l" defTabSz="914400" rtl="0" eaLnBrk="1" latinLnBrk="0" hangingPunct="1">
+              <a:defRPr sz="1800" kern="1200">
+                <a:solidFill>
+                  <a:schemeClr val="tx1"/>
+                </a:solidFill>
+                <a:latin typeface="+mn-lt"/>
+                <a:ea typeface="+mn-ea"/>
+                <a:cs typeface="+mn-cs"/>
+              </a:defRPr>
+            </a:lvl9pPr>
+          </a:lstStyle>
+          <a:p>
+            <a:pPr algn="r"/>
+            <a:r>
+              <a:rPr lang="pt-PT" sz="2500" dirty="0">
+                <a:latin typeface="Arial"/>
+                <a:ea typeface="Calibri"/>
+                <a:cs typeface="Calibri"/>
+              </a:rPr>
+              <a:t>5</a:t>
+            </a:r>
+          </a:p>
+        </p:txBody>
+      </p:sp>
+    </p:spTree>
+    <p:extLst>
+      <p:ext uri="{BB962C8B-B14F-4D97-AF65-F5344CB8AC3E}">
+        <p14:creationId xmlns:p14="http://schemas.microsoft.com/office/powerpoint/2010/main" val="3115733686"/>
+      </p:ext>
+    </p:extLst>
+  </p:cSld>
+  <p:clrMapOvr>
+    <a:masterClrMapping/>
+  </p:clrMapOvr>
+</p:sld>
+</file>
+
+<file path=ppt/slides/slide6.xml><?xml version="1.0" encoding="utf-8"?>
+<p:sld xmlns:a="http://schemas.openxmlformats.org/drawingml/2006/main" xmlns:r="http://schemas.openxmlformats.org/officeDocument/2006/relationships" xmlns:p="http://schemas.openxmlformats.org/presentationml/2006/main">
+  <p:cSld>
+    <p:spTree>
+      <p:nvGrpSpPr>
+        <p:cNvPr id="1" name=""/>
+        <p:cNvGrpSpPr/>
+        <p:nvPr/>
+      </p:nvGrpSpPr>
+      <p:grpSpPr>
+        <a:xfrm>
+          <a:off x="0" y="0"/>
+          <a:ext cx="0" cy="0"/>
+          <a:chOff x="0" y="0"/>
+          <a:chExt cx="0" cy="0"/>
+        </a:xfrm>
+      </p:grpSpPr>
+      <p:sp>
+        <p:nvSpPr>
+          <p:cNvPr id="3" name="Subtítulo 2">
+            <a:extLst>
+              <a:ext uri="{FF2B5EF4-FFF2-40B4-BE49-F238E27FC236}">
+                <a16:creationId xmlns:a16="http://schemas.microsoft.com/office/drawing/2014/main" id="{293A4691-4665-E41C-AA76-3BC078C9C5F8}"/>
+              </a:ext>
+            </a:extLst>
+          </p:cNvPr>
+          <p:cNvSpPr>
+            <a:spLocks noGrp="1"/>
+          </p:cNvSpPr>
+          <p:nvPr>
+            <p:ph type="subTitle" idx="1"/>
+          </p:nvPr>
+        </p:nvSpPr>
+        <p:spPr>
+          <a:xfrm>
+            <a:off x="320843" y="1366170"/>
+            <a:ext cx="11670630" cy="5495840"/>
+          </a:xfrm>
+        </p:spPr>
+        <p:txBody>
+          <a:bodyPr vert="horz" lIns="91440" tIns="45720" rIns="91440" bIns="45720" rtlCol="0" anchor="t">
+            <a:normAutofit/>
+          </a:bodyPr>
+          <a:lstStyle/>
+          <a:p>
+            <a:pPr marL="285750" indent="-285750" algn="l">
+              <a:buFont typeface="Arial"/>
+              <a:buChar char="•"/>
+            </a:pPr>
+            <a:endParaRPr lang="pt-PT" dirty="0">
+              <a:latin typeface="Arial"/>
+              <a:ea typeface="+mn-lt"/>
+              <a:cs typeface="Arial"/>
+            </a:endParaRPr>
+          </a:p>
+          <a:p>
+            <a:pPr lvl="1" algn="l"/>
+            <a:endParaRPr lang="pt-PT" dirty="0">
+              <a:latin typeface="Arial"/>
+              <a:ea typeface="+mn-lt"/>
+              <a:cs typeface="Arial"/>
+            </a:endParaRPr>
+          </a:p>
+          <a:p>
+            <a:pPr lvl="1" algn="l"/>
+            <a:endParaRPr lang="pt-PT" sz="1200" dirty="0">
+              <a:latin typeface="Arial"/>
+              <a:ea typeface="+mn-lt"/>
+              <a:cs typeface="Arial"/>
+            </a:endParaRPr>
+          </a:p>
+        </p:txBody>
+      </p:sp>
+      <p:pic>
+        <p:nvPicPr>
+          <p:cNvPr id="4" name="Imagem 4" descr="Uma imagem com diagrama&#10;&#10;Descrição gerada automaticamente">
+            <a:extLst>
+              <a:ext uri="{FF2B5EF4-FFF2-40B4-BE49-F238E27FC236}">
+                <a16:creationId xmlns:a16="http://schemas.microsoft.com/office/drawing/2014/main" id="{14418A7C-6906-5C1E-C5E4-46E58E23EF2F}"/>
+              </a:ext>
+            </a:extLst>
+          </p:cNvPr>
+          <p:cNvPicPr>
+            <a:picLocks noChangeAspect="1"/>
+          </p:cNvPicPr>
+          <p:nvPr/>
+        </p:nvPicPr>
+        <p:blipFill>
+          <a:blip r:embed="rId2"/>
+          <a:stretch>
+            <a:fillRect/>
+          </a:stretch>
+        </p:blipFill>
+        <p:spPr>
+          <a:xfrm>
+            <a:off x="2638928" y="1905"/>
+            <a:ext cx="6904120" cy="6854187"/>
+          </a:xfrm>
+          <a:prstGeom prst="rect">
+            <a:avLst/>
+          </a:prstGeom>
+        </p:spPr>
+      </p:pic>
+      <p:sp>
+        <p:nvSpPr>
+          <p:cNvPr id="5" name="CaixaDeTexto 1">
+            <a:extLst>
+              <a:ext uri="{FF2B5EF4-FFF2-40B4-BE49-F238E27FC236}">
+                <a16:creationId xmlns:a16="http://schemas.microsoft.com/office/drawing/2014/main" id="{7919184A-3A0D-F534-0F0C-15CA0F0CA5B4}"/>
+              </a:ext>
+            </a:extLst>
+          </p:cNvPr>
+          <p:cNvSpPr txBox="1"/>
+          <p:nvPr/>
+        </p:nvSpPr>
+        <p:spPr>
+          <a:xfrm>
+            <a:off x="9450657" y="6381469"/>
+            <a:ext cx="2743200" cy="477054"/>
+          </a:xfrm>
+          <a:prstGeom prst="rect">
+            <a:avLst/>
+          </a:prstGeom>
+          <a:noFill/>
+        </p:spPr>
+        <p:txBody>
+          <a:bodyPr rot="0" spcFirstLastPara="0" vert="horz" wrap="square" lIns="91440" tIns="45720" rIns="91440" bIns="45720" numCol="1" spcCol="0" rtlCol="0" fromWordArt="0" anchor="b" anchorCtr="0" forceAA="0" compatLnSpc="1">
+            <a:prstTxWarp prst="textNoShape">
+              <a:avLst/>
+            </a:prstTxWarp>
+            <a:spAutoFit/>
+          </a:bodyPr>
+          <a:lstStyle>
+            <a:defPPr>
+              <a:defRPr lang="pt-PT"/>
+            </a:defPPr>
+            <a:lvl1pPr marL="0" algn="l" defTabSz="914400" rtl="0" eaLnBrk="1" latinLnBrk="0" hangingPunct="1">
+              <a:defRPr sz="1800" kern="1200">
+                <a:solidFill>
+                  <a:schemeClr val="tx1"/>
+                </a:solidFill>
+                <a:latin typeface="+mn-lt"/>
+                <a:ea typeface="+mn-ea"/>
+                <a:cs typeface="+mn-cs"/>
+              </a:defRPr>
+            </a:lvl1pPr>
+            <a:lvl2pPr marL="457200" algn="l" defTabSz="914400" rtl="0" eaLnBrk="1" latinLnBrk="0" hangingPunct="1">
+              <a:defRPr sz="1800" kern="1200">
+                <a:solidFill>
+                  <a:schemeClr val="tx1"/>
+                </a:solidFill>
+                <a:latin typeface="+mn-lt"/>
+                <a:ea typeface="+mn-ea"/>
+                <a:cs typeface="+mn-cs"/>
+              </a:defRPr>
+            </a:lvl2pPr>
+            <a:lvl3pPr marL="914400" algn="l" defTabSz="914400" rtl="0" eaLnBrk="1" latinLnBrk="0" hangingPunct="1">
+              <a:defRPr sz="1800" kern="1200">
+                <a:solidFill>
+                  <a:schemeClr val="tx1"/>
+                </a:solidFill>
+                <a:latin typeface="+mn-lt"/>
+                <a:ea typeface="+mn-ea"/>
+                <a:cs typeface="+mn-cs"/>
+              </a:defRPr>
+            </a:lvl3pPr>
+            <a:lvl4pPr marL="1371600" algn="l" defTabSz="914400" rtl="0" eaLnBrk="1" latinLnBrk="0" hangingPunct="1">
+              <a:defRPr sz="1800" kern="1200">
+                <a:solidFill>
+                  <a:schemeClr val="tx1"/>
+                </a:solidFill>
+                <a:latin typeface="+mn-lt"/>
+                <a:ea typeface="+mn-ea"/>
+                <a:cs typeface="+mn-cs"/>
+              </a:defRPr>
+            </a:lvl4pPr>
+            <a:lvl5pPr marL="1828800" algn="l" defTabSz="914400" rtl="0" eaLnBrk="1" latinLnBrk="0" hangingPunct="1">
+              <a:defRPr sz="1800" kern="1200">
+                <a:solidFill>
+                  <a:schemeClr val="tx1"/>
+                </a:solidFill>
+                <a:latin typeface="+mn-lt"/>
+                <a:ea typeface="+mn-ea"/>
+                <a:cs typeface="+mn-cs"/>
+              </a:defRPr>
+            </a:lvl5pPr>
+            <a:lvl6pPr marL="2286000" algn="l" defTabSz="914400" rtl="0" eaLnBrk="1" latinLnBrk="0" hangingPunct="1">
+              <a:defRPr sz="1800" kern="1200">
+                <a:solidFill>
+                  <a:schemeClr val="tx1"/>
+                </a:solidFill>
+                <a:latin typeface="+mn-lt"/>
+                <a:ea typeface="+mn-ea"/>
+                <a:cs typeface="+mn-cs"/>
+              </a:defRPr>
+            </a:lvl6pPr>
+            <a:lvl7pPr marL="2743200" algn="l" defTabSz="914400" rtl="0" eaLnBrk="1" latinLnBrk="0" hangingPunct="1">
+              <a:defRPr sz="1800" kern="1200">
+                <a:solidFill>
+                  <a:schemeClr val="tx1"/>
+                </a:solidFill>
+                <a:latin typeface="+mn-lt"/>
+                <a:ea typeface="+mn-ea"/>
+                <a:cs typeface="+mn-cs"/>
+              </a:defRPr>
+            </a:lvl7pPr>
+            <a:lvl8pPr marL="3200400" algn="l" defTabSz="914400" rtl="0" eaLnBrk="1" latinLnBrk="0" hangingPunct="1">
+              <a:defRPr sz="1800" kern="1200">
+                <a:solidFill>
+                  <a:schemeClr val="tx1"/>
+                </a:solidFill>
+                <a:latin typeface="+mn-lt"/>
+                <a:ea typeface="+mn-ea"/>
+                <a:cs typeface="+mn-cs"/>
+              </a:defRPr>
+            </a:lvl8pPr>
+            <a:lvl9pPr marL="3657600" algn="l" defTabSz="914400" rtl="0" eaLnBrk="1" latinLnBrk="0" hangingPunct="1">
+              <a:defRPr sz="1800" kern="1200">
+                <a:solidFill>
+                  <a:schemeClr val="tx1"/>
+                </a:solidFill>
+                <a:latin typeface="+mn-lt"/>
+                <a:ea typeface="+mn-ea"/>
+                <a:cs typeface="+mn-cs"/>
+              </a:defRPr>
+            </a:lvl9pPr>
+          </a:lstStyle>
+          <a:p>
+            <a:pPr algn="r"/>
+            <a:r>
+              <a:rPr lang="pt-PT" sz="2500" dirty="0">
+                <a:latin typeface="Arial"/>
+                <a:ea typeface="Calibri"/>
+                <a:cs typeface="Calibri"/>
+              </a:rPr>
+              <a:t>6</a:t>
+            </a:r>
+          </a:p>
+        </p:txBody>
+      </p:sp>
+    </p:spTree>
+    <p:extLst>
+      <p:ext uri="{BB962C8B-B14F-4D97-AF65-F5344CB8AC3E}">
+        <p14:creationId xmlns:p14="http://schemas.microsoft.com/office/powerpoint/2010/main" val="322068427"/>
+      </p:ext>
+    </p:extLst>
+  </p:cSld>
+  <p:clrMapOvr>
+    <a:masterClrMapping/>
+  </p:clrMapOvr>
+</p:sld>
+</file>
+
+<file path=ppt/slides/slide7.xml><?xml version="1.0" encoding="utf-8"?>
+<p:sld xmlns:a="http://schemas.openxmlformats.org/drawingml/2006/main" xmlns:r="http://schemas.openxmlformats.org/officeDocument/2006/relationships" xmlns:p="http://schemas.openxmlformats.org/presentationml/2006/main">
+  <p:cSld>
+    <p:spTree>
+      <p:nvGrpSpPr>
+        <p:cNvPr id="1" name=""/>
+        <p:cNvGrpSpPr/>
+        <p:nvPr/>
+      </p:nvGrpSpPr>
+      <p:grpSpPr>
+        <a:xfrm>
+          <a:off x="0" y="0"/>
+          <a:ext cx="0" cy="0"/>
+          <a:chOff x="0" y="0"/>
+          <a:chExt cx="0" cy="0"/>
+        </a:xfrm>
+      </p:grpSpPr>
+      <p:sp>
+        <p:nvSpPr>
+          <p:cNvPr id="3" name="Subtítulo 2">
+            <a:extLst>
+              <a:ext uri="{FF2B5EF4-FFF2-40B4-BE49-F238E27FC236}">
+                <a16:creationId xmlns:a16="http://schemas.microsoft.com/office/drawing/2014/main" id="{293A4691-4665-E41C-AA76-3BC078C9C5F8}"/>
+              </a:ext>
+            </a:extLst>
+          </p:cNvPr>
+          <p:cNvSpPr>
+            <a:spLocks noGrp="1"/>
+          </p:cNvSpPr>
+          <p:nvPr>
+            <p:ph type="subTitle" idx="1"/>
+          </p:nvPr>
+        </p:nvSpPr>
+        <p:spPr>
+          <a:xfrm>
+            <a:off x="320843" y="1366170"/>
+            <a:ext cx="11670630" cy="5495840"/>
+          </a:xfrm>
+        </p:spPr>
+        <p:txBody>
+          <a:bodyPr vert="horz" lIns="91440" tIns="45720" rIns="91440" bIns="45720" rtlCol="0" anchor="t">
+            <a:normAutofit/>
+          </a:bodyPr>
+          <a:lstStyle/>
+          <a:p>
+            <a:pPr marL="285750" indent="-285750" algn="l">
+              <a:buFont typeface="Arial"/>
+              <a:buChar char="•"/>
+            </a:pPr>
+            <a:endParaRPr lang="pt-PT" dirty="0">
+              <a:latin typeface="Arial"/>
+              <a:ea typeface="+mn-lt"/>
+              <a:cs typeface="Arial"/>
+            </a:endParaRPr>
+          </a:p>
+          <a:p>
+            <a:pPr lvl="1" algn="l"/>
+            <a:endParaRPr lang="pt-PT" dirty="0">
+              <a:latin typeface="Arial"/>
+              <a:ea typeface="+mn-lt"/>
+              <a:cs typeface="Arial"/>
+            </a:endParaRPr>
+          </a:p>
+          <a:p>
+            <a:pPr lvl="1" algn="l"/>
+            <a:endParaRPr lang="pt-PT" sz="1200" dirty="0">
+              <a:latin typeface="Arial"/>
+              <a:ea typeface="+mn-lt"/>
+              <a:cs typeface="Arial"/>
+            </a:endParaRPr>
+          </a:p>
+        </p:txBody>
+      </p:sp>
+      <p:pic>
+        <p:nvPicPr>
+          <p:cNvPr id="2" name="Imagem 4" descr="Uma imagem com diagrama&#10;&#10;Descrição gerada automaticamente">
+            <a:extLst>
+              <a:ext uri="{FF2B5EF4-FFF2-40B4-BE49-F238E27FC236}">
+                <a16:creationId xmlns:a16="http://schemas.microsoft.com/office/drawing/2014/main" id="{08AD24A3-813D-A46D-2B02-4B7BDF4E0B78}"/>
+              </a:ext>
+            </a:extLst>
+          </p:cNvPr>
+          <p:cNvPicPr>
+            <a:picLocks noChangeAspect="1"/>
+          </p:cNvPicPr>
+          <p:nvPr/>
+        </p:nvPicPr>
+        <p:blipFill>
+          <a:blip r:embed="rId2"/>
+          <a:stretch>
+            <a:fillRect/>
+          </a:stretch>
+        </p:blipFill>
+        <p:spPr>
+          <a:xfrm>
+            <a:off x="1235243" y="2899"/>
+            <a:ext cx="9661356" cy="6852202"/>
+          </a:xfrm>
+          <a:prstGeom prst="rect">
+            <a:avLst/>
+          </a:prstGeom>
+        </p:spPr>
+      </p:pic>
+      <p:sp>
+        <p:nvSpPr>
+          <p:cNvPr id="5" name="CaixaDeTexto 1">
+            <a:extLst>
+              <a:ext uri="{FF2B5EF4-FFF2-40B4-BE49-F238E27FC236}">
+                <a16:creationId xmlns:a16="http://schemas.microsoft.com/office/drawing/2014/main" id="{7919184A-3A0D-F534-0F0C-15CA0F0CA5B4}"/>
+              </a:ext>
+            </a:extLst>
+          </p:cNvPr>
+          <p:cNvSpPr txBox="1"/>
+          <p:nvPr/>
+        </p:nvSpPr>
+        <p:spPr>
+          <a:xfrm>
+            <a:off x="9450657" y="6381469"/>
+            <a:ext cx="2743200" cy="477054"/>
+          </a:xfrm>
+          <a:prstGeom prst="rect">
+            <a:avLst/>
+          </a:prstGeom>
+          <a:noFill/>
+        </p:spPr>
+        <p:txBody>
+          <a:bodyPr rot="0" spcFirstLastPara="0" vert="horz" wrap="square" lIns="91440" tIns="45720" rIns="91440" bIns="45720" numCol="1" spcCol="0" rtlCol="0" fromWordArt="0" anchor="b" anchorCtr="0" forceAA="0" compatLnSpc="1">
+            <a:prstTxWarp prst="textNoShape">
+              <a:avLst/>
+            </a:prstTxWarp>
+            <a:spAutoFit/>
+          </a:bodyPr>
+          <a:lstStyle>
+            <a:defPPr>
+              <a:defRPr lang="pt-PT"/>
+            </a:defPPr>
+            <a:lvl1pPr marL="0" algn="l" defTabSz="914400" rtl="0" eaLnBrk="1" latinLnBrk="0" hangingPunct="1">
+              <a:defRPr sz="1800" kern="1200">
+                <a:solidFill>
+                  <a:schemeClr val="tx1"/>
+                </a:solidFill>
+                <a:latin typeface="+mn-lt"/>
+                <a:ea typeface="+mn-ea"/>
+                <a:cs typeface="+mn-cs"/>
+              </a:defRPr>
+            </a:lvl1pPr>
+            <a:lvl2pPr marL="457200" algn="l" defTabSz="914400" rtl="0" eaLnBrk="1" latinLnBrk="0" hangingPunct="1">
+              <a:defRPr sz="1800" kern="1200">
+                <a:solidFill>
+                  <a:schemeClr val="tx1"/>
+                </a:solidFill>
+                <a:latin typeface="+mn-lt"/>
+                <a:ea typeface="+mn-ea"/>
+                <a:cs typeface="+mn-cs"/>
+              </a:defRPr>
+            </a:lvl2pPr>
+            <a:lvl3pPr marL="914400" algn="l" defTabSz="914400" rtl="0" eaLnBrk="1" latinLnBrk="0" hangingPunct="1">
+              <a:defRPr sz="1800" kern="1200">
+                <a:solidFill>
+                  <a:schemeClr val="tx1"/>
+                </a:solidFill>
+                <a:latin typeface="+mn-lt"/>
+                <a:ea typeface="+mn-ea"/>
+                <a:cs typeface="+mn-cs"/>
+              </a:defRPr>
+            </a:lvl3pPr>
+            <a:lvl4pPr marL="1371600" algn="l" defTabSz="914400" rtl="0" eaLnBrk="1" latinLnBrk="0" hangingPunct="1">
+              <a:defRPr sz="1800" kern="1200">
+                <a:solidFill>
+                  <a:schemeClr val="tx1"/>
+                </a:solidFill>
+                <a:latin typeface="+mn-lt"/>
+                <a:ea typeface="+mn-ea"/>
+                <a:cs typeface="+mn-cs"/>
+              </a:defRPr>
+            </a:lvl4pPr>
+            <a:lvl5pPr marL="1828800" algn="l" defTabSz="914400" rtl="0" eaLnBrk="1" latinLnBrk="0" hangingPunct="1">
+              <a:defRPr sz="1800" kern="1200">
+                <a:solidFill>
+                  <a:schemeClr val="tx1"/>
+                </a:solidFill>
+                <a:latin typeface="+mn-lt"/>
+                <a:ea typeface="+mn-ea"/>
+                <a:cs typeface="+mn-cs"/>
+              </a:defRPr>
+            </a:lvl5pPr>
+            <a:lvl6pPr marL="2286000" algn="l" defTabSz="914400" rtl="0" eaLnBrk="1" latinLnBrk="0" hangingPunct="1">
+              <a:defRPr sz="1800" kern="1200">
+                <a:solidFill>
+                  <a:schemeClr val="tx1"/>
+                </a:solidFill>
+                <a:latin typeface="+mn-lt"/>
+                <a:ea typeface="+mn-ea"/>
+                <a:cs typeface="+mn-cs"/>
+              </a:defRPr>
+            </a:lvl6pPr>
+            <a:lvl7pPr marL="2743200" algn="l" defTabSz="914400" rtl="0" eaLnBrk="1" latinLnBrk="0" hangingPunct="1">
+              <a:defRPr sz="1800" kern="1200">
+                <a:solidFill>
+                  <a:schemeClr val="tx1"/>
+                </a:solidFill>
+                <a:latin typeface="+mn-lt"/>
+                <a:ea typeface="+mn-ea"/>
+                <a:cs typeface="+mn-cs"/>
+              </a:defRPr>
+            </a:lvl7pPr>
+            <a:lvl8pPr marL="3200400" algn="l" defTabSz="914400" rtl="0" eaLnBrk="1" latinLnBrk="0" hangingPunct="1">
+              <a:defRPr sz="1800" kern="1200">
+                <a:solidFill>
+                  <a:schemeClr val="tx1"/>
+                </a:solidFill>
+                <a:latin typeface="+mn-lt"/>
+                <a:ea typeface="+mn-ea"/>
+                <a:cs typeface="+mn-cs"/>
+              </a:defRPr>
+            </a:lvl8pPr>
+            <a:lvl9pPr marL="3657600" algn="l" defTabSz="914400" rtl="0" eaLnBrk="1" latinLnBrk="0" hangingPunct="1">
+              <a:defRPr sz="1800" kern="1200">
+                <a:solidFill>
+                  <a:schemeClr val="tx1"/>
+                </a:solidFill>
+                <a:latin typeface="+mn-lt"/>
+                <a:ea typeface="+mn-ea"/>
+                <a:cs typeface="+mn-cs"/>
+              </a:defRPr>
+            </a:lvl9pPr>
+          </a:lstStyle>
+          <a:p>
+            <a:pPr algn="r"/>
+            <a:r>
+              <a:rPr lang="pt-PT" sz="2500" dirty="0">
+                <a:latin typeface="Arial"/>
+                <a:ea typeface="Calibri"/>
+                <a:cs typeface="Calibri"/>
+              </a:rPr>
+              <a:t>7</a:t>
+            </a:r>
+          </a:p>
+        </p:txBody>
+      </p:sp>
+    </p:spTree>
+    <p:extLst>
+      <p:ext uri="{BB962C8B-B14F-4D97-AF65-F5344CB8AC3E}">
+        <p14:creationId xmlns:p14="http://schemas.microsoft.com/office/powerpoint/2010/main" val="333360577"/>
       </p:ext>
     </p:extLst>
   </p:cSld>

--- a/ElaborationPresentation.pptx
+++ b/ElaborationPresentation.pptx
@@ -121,7 +121,7 @@
 <file path=ppt/revisionInfo.xml><?xml version="1.0" encoding="utf-8"?>
 <p1510:revInfo xmlns:a="http://schemas.openxmlformats.org/drawingml/2006/main" xmlns:r="http://schemas.openxmlformats.org/officeDocument/2006/relationships" xmlns:p1510="http://schemas.microsoft.com/office/powerpoint/2015/10/main">
   <p1510:revLst>
-    <p1510:client id="{B99437A0-6A41-4496-9408-870F789656F5}" v="1093" dt="2023-03-13T23:12:29.612"/>
+    <p1510:client id="{B99437A0-6A41-4496-9408-870F789656F5}" v="1097" dt="2023-03-13T23:15:00.132"/>
   </p1510:revLst>
 </p1510:revInfo>
 </file>
@@ -4981,11 +4981,18 @@
               <a:buChar char="•"/>
             </a:pPr>
             <a:r>
+              <a:rPr lang="pt-PT" dirty="0" err="1">
+                <a:latin typeface="Arial"/>
+                <a:cs typeface="Arial"/>
+              </a:rPr>
+              <a:t>Reduced</a:t>
+            </a:r>
+            <a:r>
               <a:rPr lang="pt-PT" dirty="0">
                 <a:latin typeface="Arial"/>
                 <a:cs typeface="Arial"/>
               </a:rPr>
-              <a:t>False positives/negatives</a:t>
+              <a:t> false positives/negatives</a:t>
             </a:r>
           </a:p>
           <a:p>
